--- a/PaperAppendices/Mandoline/img/Mandoline/logo.pptx
+++ b/PaperAppendices/Mandoline/img/Mandoline/logo.pptx
@@ -4014,7 +4014,7 @@
         <p:spPr>
           <a:xfrm>
             <a:off x="3567709" y="4961357"/>
-            <a:ext cx="4079963" cy="830997"/>
+            <a:ext cx="3781805" cy="1015663"/>
           </a:xfrm>
           <a:prstGeom prst="rect">
             <a:avLst/>
@@ -4028,11 +4028,20 @@
           <a:lstStyle/>
           <a:p>
             <a:r>
-              <a:rPr lang="en-US" sz="4800" b="1" dirty="0">
+              <a:rPr lang="en-US" sz="6000" dirty="0">
                 <a:latin typeface="Times New Roman" panose="02020603050405020304" pitchFamily="18" charset="0"/>
+                <a:ea typeface="Helvetica Neue" panose="02000503000000020004" pitchFamily="2" charset="0"/>
                 <a:cs typeface="Times New Roman" panose="02020603050405020304" pitchFamily="18" charset="0"/>
               </a:rPr>
-              <a:t>MANDOLINE</a:t>
+              <a:t>M</a:t>
+            </a:r>
+            <a:r>
+              <a:rPr lang="en-US" sz="4400" dirty="0">
+                <a:latin typeface="Times New Roman" panose="02020603050405020304" pitchFamily="18" charset="0"/>
+                <a:ea typeface="Helvetica Neue" panose="02000503000000020004" pitchFamily="2" charset="0"/>
+                <a:cs typeface="Times New Roman" panose="02020603050405020304" pitchFamily="18" charset="0"/>
+              </a:rPr>
+              <a:t>ANDOLINE</a:t>
             </a:r>
           </a:p>
         </p:txBody>

--- a/PaperAppendices/Mandoline/img/Mandoline/logo.pptx
+++ b/PaperAppendices/Mandoline/img/Mandoline/logo.pptx
@@ -4013,7 +4013,7 @@
         </p:nvSpPr>
         <p:spPr>
           <a:xfrm>
-            <a:off x="3567709" y="4961357"/>
+            <a:off x="3511954" y="4961357"/>
             <a:ext cx="3781805" cy="1015663"/>
           </a:xfrm>
           <a:prstGeom prst="rect">
